--- a/Sunular/Java OOP - Part 3.pptx
+++ b/Sunular/Java OOP - Part 3.pptx
@@ -158,6 +158,9 @@
           </p14:sldIdLst>
         </p14:section>
       </p14:sectionLst>
+    </p:ext>
+    <p:ext uri="{EFAFB233-063F-42B5-8137-9DF3F51BA10A}">
+      <p15:sldGuideLst xmlns:p15="http://schemas.microsoft.com/office/powerpoint/2012/main"/>
     </p:ext>
   </p:extLst>
 </p:presentation>
@@ -3893,7 +3896,26 @@
           </a:bodyPr>
           <a:lstStyle/>
           <a:p>
-            <a:pPr algn="r"/>
+            <a:pPr algn="l"/>
+            <a:r>
+              <a:rPr lang="tr-TR" dirty="0" err="1"/>
+              <a:t>Doc</a:t>
+            </a:r>
+            <a:r>
+              <a:rPr lang="tr-TR" dirty="0"/>
+              <a:t>. Dr. Mehmet </a:t>
+            </a:r>
+            <a:r>
+              <a:rPr lang="tr-TR" dirty="0" err="1"/>
+              <a:t>akif</a:t>
+            </a:r>
+            <a:r>
+              <a:rPr lang="tr-TR" dirty="0"/>
+              <a:t> çiftçi</a:t>
+            </a:r>
+          </a:p>
+          <a:p>
+            <a:pPr algn="l"/>
             <a:endParaRPr lang="tr-TR" dirty="0"/>
           </a:p>
         </p:txBody>
